--- a/98_plan/plan_0422.pptx
+++ b/98_plan/plan_0422.pptx
@@ -9,6 +9,7 @@
     <p:sldId id="257" r:id="rId3"/>
     <p:sldId id="258" r:id="rId4"/>
     <p:sldId id="259" r:id="rId5"/>
+    <p:sldId id="260" r:id="rId6"/>
   </p:sldIdLst>
   <p:sldSz cx="12192000" cy="6858000"/>
   <p:notesSz cx="6858000" cy="9144000"/>
@@ -107,6 +108,11 @@
       </a:defRPr>
     </a:lvl9pPr>
   </p:defaultTextStyle>
+  <p:extLst>
+    <p:ext uri="{EFAFB233-063F-42B5-8137-9DF3F51BA10A}">
+      <p15:sldGuideLst xmlns:p15="http://schemas.microsoft.com/office/powerpoint/2012/main"/>
+    </p:ext>
+  </p:extLst>
 </p:presentation>
 </file>
 
@@ -4956,6 +4962,371 @@
 </p:sld>
 </file>
 
+<file path=ppt/slides/slide5.xml><?xml version="1.0" encoding="utf-8"?>
+<p:sld xmlns:a="http://schemas.openxmlformats.org/drawingml/2006/main" xmlns:r="http://schemas.openxmlformats.org/officeDocument/2006/relationships" xmlns:p="http://schemas.openxmlformats.org/presentationml/2006/main">
+  <p:cSld>
+    <p:spTree>
+      <p:nvGrpSpPr>
+        <p:cNvPr id="1" name=""/>
+        <p:cNvGrpSpPr/>
+        <p:nvPr/>
+      </p:nvGrpSpPr>
+      <p:grpSpPr>
+        <a:xfrm>
+          <a:off x="0" y="0"/>
+          <a:ext cx="0" cy="0"/>
+          <a:chOff x="0" y="0"/>
+          <a:chExt cx="0" cy="0"/>
+        </a:xfrm>
+      </p:grpSpPr>
+      <p:sp>
+        <p:nvSpPr>
+          <p:cNvPr id="2" name="タイトル 1">
+            <a:extLst>
+              <a:ext uri="{FF2B5EF4-FFF2-40B4-BE49-F238E27FC236}">
+                <a16:creationId xmlns:a16="http://schemas.microsoft.com/office/drawing/2014/main" id="{B6C849D2-0280-43E4-B31A-A8317D4A12EC}"/>
+              </a:ext>
+            </a:extLst>
+          </p:cNvPr>
+          <p:cNvSpPr>
+            <a:spLocks noGrp="1"/>
+          </p:cNvSpPr>
+          <p:nvPr>
+            <p:ph type="title"/>
+          </p:nvPr>
+        </p:nvSpPr>
+        <p:spPr/>
+        <p:txBody>
+          <a:bodyPr/>
+          <a:lstStyle/>
+          <a:p>
+            <a:r>
+              <a:rPr kumimoji="1" lang="ja-JP" altLang="en-US" dirty="0"/>
+              <a:t>ステルス</a:t>
+            </a:r>
+            <a:r>
+              <a:rPr kumimoji="1" lang="en-US" altLang="ja-JP" dirty="0"/>
+              <a:t>1 </a:t>
+            </a:r>
+            <a:r>
+              <a:rPr kumimoji="1" lang="ja-JP" altLang="en-US" dirty="0"/>
+              <a:t>ジャスト回避やつ</a:t>
+            </a:r>
+          </a:p>
+        </p:txBody>
+      </p:sp>
+      <p:sp>
+        <p:nvSpPr>
+          <p:cNvPr id="4" name="テキスト ボックス 3">
+            <a:extLst>
+              <a:ext uri="{FF2B5EF4-FFF2-40B4-BE49-F238E27FC236}">
+                <a16:creationId xmlns:a16="http://schemas.microsoft.com/office/drawing/2014/main" id="{601B41CC-E79C-47C8-A5DD-6CFF1AC1CF89}"/>
+              </a:ext>
+            </a:extLst>
+          </p:cNvPr>
+          <p:cNvSpPr txBox="1"/>
+          <p:nvPr/>
+        </p:nvSpPr>
+        <p:spPr>
+          <a:xfrm>
+            <a:off x="838200" y="2265028"/>
+            <a:ext cx="2954655" cy="369332"/>
+          </a:xfrm>
+          <a:prstGeom prst="rect">
+            <a:avLst/>
+          </a:prstGeom>
+          <a:noFill/>
+        </p:spPr>
+        <p:txBody>
+          <a:bodyPr wrap="none" rtlCol="0">
+            <a:spAutoFit/>
+          </a:bodyPr>
+          <a:lstStyle/>
+          <a:p>
+            <a:r>
+              <a:rPr lang="ja-JP" altLang="en-US" dirty="0"/>
+              <a:t>プレイヤーは攻撃できない</a:t>
+            </a:r>
+            <a:endParaRPr kumimoji="1" lang="ja-JP" altLang="en-US" dirty="0"/>
+          </a:p>
+        </p:txBody>
+      </p:sp>
+      <p:sp>
+        <p:nvSpPr>
+          <p:cNvPr id="5" name="テキスト ボックス 4">
+            <a:extLst>
+              <a:ext uri="{FF2B5EF4-FFF2-40B4-BE49-F238E27FC236}">
+                <a16:creationId xmlns:a16="http://schemas.microsoft.com/office/drawing/2014/main" id="{9E89F19A-F53E-41D5-9F3D-7D81F3BA6FE7}"/>
+              </a:ext>
+            </a:extLst>
+          </p:cNvPr>
+          <p:cNvSpPr txBox="1"/>
+          <p:nvPr/>
+        </p:nvSpPr>
+        <p:spPr>
+          <a:xfrm>
+            <a:off x="896485" y="3669643"/>
+            <a:ext cx="3877985" cy="369332"/>
+          </a:xfrm>
+          <a:prstGeom prst="rect">
+            <a:avLst/>
+          </a:prstGeom>
+          <a:noFill/>
+        </p:spPr>
+        <p:txBody>
+          <a:bodyPr wrap="none" rtlCol="0">
+            <a:spAutoFit/>
+          </a:bodyPr>
+          <a:lstStyle/>
+          <a:p>
+            <a:r>
+              <a:rPr kumimoji="1" lang="ja-JP" altLang="en-US" dirty="0"/>
+              <a:t>敵に見つかると警戒ゲージが上がる</a:t>
+            </a:r>
+          </a:p>
+        </p:txBody>
+      </p:sp>
+      <p:sp>
+        <p:nvSpPr>
+          <p:cNvPr id="7" name="テキスト ボックス 6">
+            <a:extLst>
+              <a:ext uri="{FF2B5EF4-FFF2-40B4-BE49-F238E27FC236}">
+                <a16:creationId xmlns:a16="http://schemas.microsoft.com/office/drawing/2014/main" id="{7BEF9BCB-486A-4727-903C-9BD2B419766E}"/>
+              </a:ext>
+            </a:extLst>
+          </p:cNvPr>
+          <p:cNvSpPr txBox="1"/>
+          <p:nvPr/>
+        </p:nvSpPr>
+        <p:spPr>
+          <a:xfrm>
+            <a:off x="3643391" y="2265028"/>
+            <a:ext cx="2262158" cy="369332"/>
+          </a:xfrm>
+          <a:prstGeom prst="rect">
+            <a:avLst/>
+          </a:prstGeom>
+          <a:noFill/>
+        </p:spPr>
+        <p:txBody>
+          <a:bodyPr wrap="none" rtlCol="0">
+            <a:spAutoFit/>
+          </a:bodyPr>
+          <a:lstStyle/>
+          <a:p>
+            <a:r>
+              <a:rPr kumimoji="1" lang="ja-JP" altLang="en-US" dirty="0"/>
+              <a:t>敵は攻撃をしてくる</a:t>
+            </a:r>
+          </a:p>
+        </p:txBody>
+      </p:sp>
+      <p:sp>
+        <p:nvSpPr>
+          <p:cNvPr id="8" name="テキスト ボックス 7">
+            <a:extLst>
+              <a:ext uri="{FF2B5EF4-FFF2-40B4-BE49-F238E27FC236}">
+                <a16:creationId xmlns:a16="http://schemas.microsoft.com/office/drawing/2014/main" id="{9A528822-8844-4898-9C41-FB3CCB638E27}"/>
+              </a:ext>
+            </a:extLst>
+          </p:cNvPr>
+          <p:cNvSpPr txBox="1"/>
+          <p:nvPr/>
+        </p:nvSpPr>
+        <p:spPr>
+          <a:xfrm>
+            <a:off x="2197915" y="2634360"/>
+            <a:ext cx="5673348" cy="369332"/>
+          </a:xfrm>
+          <a:prstGeom prst="rect">
+            <a:avLst/>
+          </a:prstGeom>
+          <a:noFill/>
+        </p:spPr>
+        <p:txBody>
+          <a:bodyPr wrap="none" rtlCol="0">
+            <a:spAutoFit/>
+          </a:bodyPr>
+          <a:lstStyle/>
+          <a:p>
+            <a:r>
+              <a:rPr kumimoji="1" lang="ja-JP" altLang="en-US" dirty="0"/>
+              <a:t>攻撃をジャスト回避するとカウンター攻撃</a:t>
+            </a:r>
+            <a:r>
+              <a:rPr kumimoji="1" lang="en-US" altLang="ja-JP" dirty="0"/>
+              <a:t>(</a:t>
+            </a:r>
+            <a:r>
+              <a:rPr kumimoji="1" lang="ja-JP" altLang="en-US" dirty="0"/>
+              <a:t>目つぶし</a:t>
+            </a:r>
+            <a:r>
+              <a:rPr kumimoji="1" lang="en-US" altLang="ja-JP" dirty="0"/>
+              <a:t>)</a:t>
+            </a:r>
+            <a:endParaRPr kumimoji="1" lang="ja-JP" altLang="en-US" dirty="0"/>
+          </a:p>
+        </p:txBody>
+      </p:sp>
+      <p:sp>
+        <p:nvSpPr>
+          <p:cNvPr id="9" name="テキスト ボックス 8">
+            <a:extLst>
+              <a:ext uri="{FF2B5EF4-FFF2-40B4-BE49-F238E27FC236}">
+                <a16:creationId xmlns:a16="http://schemas.microsoft.com/office/drawing/2014/main" id="{9AE4144C-0B9E-478E-9C2D-2D97161E3A6B}"/>
+              </a:ext>
+            </a:extLst>
+          </p:cNvPr>
+          <p:cNvSpPr txBox="1"/>
+          <p:nvPr/>
+        </p:nvSpPr>
+        <p:spPr>
+          <a:xfrm>
+            <a:off x="1249960" y="3947364"/>
+            <a:ext cx="5262979" cy="369332"/>
+          </a:xfrm>
+          <a:prstGeom prst="rect">
+            <a:avLst/>
+          </a:prstGeom>
+          <a:noFill/>
+        </p:spPr>
+        <p:txBody>
+          <a:bodyPr wrap="none" rtlCol="0">
+            <a:spAutoFit/>
+          </a:bodyPr>
+          <a:lstStyle/>
+          <a:p>
+            <a:r>
+              <a:rPr kumimoji="1" lang="ja-JP" altLang="en-US" dirty="0"/>
+              <a:t>警戒ゲージが上がるとさらに見つかりやすくなる</a:t>
+            </a:r>
+          </a:p>
+        </p:txBody>
+      </p:sp>
+      <p:sp>
+        <p:nvSpPr>
+          <p:cNvPr id="10" name="テキスト ボックス 9">
+            <a:extLst>
+              <a:ext uri="{FF2B5EF4-FFF2-40B4-BE49-F238E27FC236}">
+                <a16:creationId xmlns:a16="http://schemas.microsoft.com/office/drawing/2014/main" id="{D242156F-F191-4BA2-8C04-8B476B85D2FD}"/>
+              </a:ext>
+            </a:extLst>
+          </p:cNvPr>
+          <p:cNvSpPr txBox="1"/>
+          <p:nvPr/>
+        </p:nvSpPr>
+        <p:spPr>
+          <a:xfrm>
+            <a:off x="2197915" y="2879109"/>
+            <a:ext cx="4801314" cy="369332"/>
+          </a:xfrm>
+          <a:prstGeom prst="rect">
+            <a:avLst/>
+          </a:prstGeom>
+          <a:noFill/>
+        </p:spPr>
+        <p:txBody>
+          <a:bodyPr wrap="none" rtlCol="0">
+            <a:spAutoFit/>
+          </a:bodyPr>
+          <a:lstStyle/>
+          <a:p>
+            <a:r>
+              <a:rPr kumimoji="1" lang="ja-JP" altLang="en-US" dirty="0"/>
+              <a:t>カウンターが決まると警戒ゲージを下げれる</a:t>
+            </a:r>
+          </a:p>
+        </p:txBody>
+      </p:sp>
+      <p:sp>
+        <p:nvSpPr>
+          <p:cNvPr id="11" name="テキスト ボックス 10">
+            <a:extLst>
+              <a:ext uri="{FF2B5EF4-FFF2-40B4-BE49-F238E27FC236}">
+                <a16:creationId xmlns:a16="http://schemas.microsoft.com/office/drawing/2014/main" id="{125B5880-7B8F-4FBF-A259-555C2D541BBD}"/>
+              </a:ext>
+            </a:extLst>
+          </p:cNvPr>
+          <p:cNvSpPr txBox="1"/>
+          <p:nvPr/>
+        </p:nvSpPr>
+        <p:spPr>
+          <a:xfrm>
+            <a:off x="8168313" y="4764947"/>
+            <a:ext cx="3185487" cy="369332"/>
+          </a:xfrm>
+          <a:prstGeom prst="rect">
+            <a:avLst/>
+          </a:prstGeom>
+          <a:noFill/>
+        </p:spPr>
+        <p:txBody>
+          <a:bodyPr wrap="none" rtlCol="0">
+            <a:spAutoFit/>
+          </a:bodyPr>
+          <a:lstStyle/>
+          <a:p>
+            <a:r>
+              <a:rPr kumimoji="1" lang="ja-JP" altLang="en-US" dirty="0"/>
+              <a:t>撤退地点に到着すると</a:t>
+            </a:r>
+            <a:r>
+              <a:rPr lang="ja-JP" altLang="en-US" dirty="0"/>
+              <a:t>クリア</a:t>
+            </a:r>
+            <a:endParaRPr kumimoji="1" lang="ja-JP" altLang="en-US" dirty="0"/>
+          </a:p>
+        </p:txBody>
+      </p:sp>
+      <p:sp>
+        <p:nvSpPr>
+          <p:cNvPr id="12" name="テキスト ボックス 11">
+            <a:extLst>
+              <a:ext uri="{FF2B5EF4-FFF2-40B4-BE49-F238E27FC236}">
+                <a16:creationId xmlns:a16="http://schemas.microsoft.com/office/drawing/2014/main" id="{3272636D-F5E2-44F4-BD30-3FE79323B4DB}"/>
+              </a:ext>
+            </a:extLst>
+          </p:cNvPr>
+          <p:cNvSpPr txBox="1"/>
+          <p:nvPr/>
+        </p:nvSpPr>
+        <p:spPr>
+          <a:xfrm>
+            <a:off x="8127502" y="4408759"/>
+            <a:ext cx="3877985" cy="369332"/>
+          </a:xfrm>
+          <a:prstGeom prst="rect">
+            <a:avLst/>
+          </a:prstGeom>
+          <a:noFill/>
+        </p:spPr>
+        <p:txBody>
+          <a:bodyPr wrap="none" rtlCol="0">
+            <a:spAutoFit/>
+          </a:bodyPr>
+          <a:lstStyle/>
+          <a:p>
+            <a:r>
+              <a:rPr kumimoji="1" lang="ja-JP" altLang="en-US" dirty="0"/>
+              <a:t>警戒ゲージが最大になると任務失敗</a:t>
+            </a:r>
+          </a:p>
+        </p:txBody>
+      </p:sp>
+    </p:spTree>
+    <p:extLst>
+      <p:ext uri="{BB962C8B-B14F-4D97-AF65-F5344CB8AC3E}">
+        <p14:creationId xmlns:p14="http://schemas.microsoft.com/office/powerpoint/2010/main" val="4020630899"/>
+      </p:ext>
+    </p:extLst>
+  </p:cSld>
+  <p:clrMapOvr>
+    <a:masterClrMapping/>
+  </p:clrMapOvr>
+</p:sld>
+</file>
+
 <file path=ppt/theme/theme1.xml><?xml version="1.0" encoding="utf-8"?>
 <a:theme xmlns:a="http://schemas.openxmlformats.org/drawingml/2006/main" name="Office テーマ">
   <a:themeElements>
